--- a/transitrush_iseatgood.pptx
+++ b/transitrush_iseatgood.pptx
@@ -7,7 +7,8 @@
   <p:sldIdLst>
     <p:sldId id="256" r:id="rId2"/>
     <p:sldId id="257" r:id="rId3"/>
-    <p:sldId id="258" r:id="rId4"/>
+    <p:sldId id="259" r:id="rId4"/>
+    <p:sldId id="258" r:id="rId5"/>
   </p:sldIdLst>
   <p:sldSz cx="12192000" cy="6858000"/>
   <p:notesSz cx="6858000" cy="9144000"/>
@@ -106,6 +107,11 @@
       </a:defRPr>
     </a:lvl9pPr>
   </p:defaultTextStyle>
+  <p:extLst>
+    <p:ext uri="{EFAFB233-063F-42B5-8137-9DF3F51BA10A}">
+      <p15:sldGuideLst xmlns:p15="http://schemas.microsoft.com/office/powerpoint/2012/main"/>
+    </p:ext>
+  </p:extLst>
 </p:presentation>
 </file>
 
@@ -301,7 +307,7 @@
             <a:fld id="{B61BEF0D-F0BB-DE4B-95CE-6DB70DBA9567}" type="datetimeFigureOut">
               <a:rPr lang="en-US" dirty="0"/>
               <a:pPr/>
-              <a:t>10/18/15</a:t>
+              <a:t>10/18/2015</a:t>
             </a:fld>
             <a:endParaRPr lang="en-US" dirty="0"/>
           </a:p>
@@ -734,7 +740,7 @@
             <a:fld id="{B61BEF0D-F0BB-DE4B-95CE-6DB70DBA9567}" type="datetimeFigureOut">
               <a:rPr lang="en-US" dirty="0"/>
               <a:pPr/>
-              <a:t>10/18/15</a:t>
+              <a:t>10/18/2015</a:t>
             </a:fld>
             <a:endParaRPr lang="en-US" dirty="0"/>
           </a:p>
@@ -981,7 +987,7 @@
             <a:fld id="{B61BEF0D-F0BB-DE4B-95CE-6DB70DBA9567}" type="datetimeFigureOut">
               <a:rPr lang="en-US" dirty="0"/>
               <a:pPr/>
-              <a:t>10/18/15</a:t>
+              <a:t>10/18/2015</a:t>
             </a:fld>
             <a:endParaRPr lang="en-US" dirty="0"/>
           </a:p>
@@ -1286,7 +1292,7 @@
             <a:fld id="{B61BEF0D-F0BB-DE4B-95CE-6DB70DBA9567}" type="datetimeFigureOut">
               <a:rPr lang="en-US" dirty="0"/>
               <a:pPr/>
-              <a:t>10/18/15</a:t>
+              <a:t>10/18/2015</a:t>
             </a:fld>
             <a:endParaRPr lang="en-US" dirty="0"/>
           </a:p>
@@ -1601,7 +1607,7 @@
             <a:fld id="{B61BEF0D-F0BB-DE4B-95CE-6DB70DBA9567}" type="datetimeFigureOut">
               <a:rPr lang="en-US" dirty="0"/>
               <a:pPr/>
-              <a:t>10/18/15</a:t>
+              <a:t>10/18/2015</a:t>
             </a:fld>
             <a:endParaRPr lang="en-US" dirty="0"/>
           </a:p>
@@ -1900,7 +1906,7 @@
             <a:fld id="{B61BEF0D-F0BB-DE4B-95CE-6DB70DBA9567}" type="datetimeFigureOut">
               <a:rPr lang="en-US" dirty="0"/>
               <a:pPr/>
-              <a:t>10/18/15</a:t>
+              <a:t>10/18/2015</a:t>
             </a:fld>
             <a:endParaRPr lang="en-US" dirty="0"/>
           </a:p>
@@ -2264,7 +2270,7 @@
             <a:fld id="{B61BEF0D-F0BB-DE4B-95CE-6DB70DBA9567}" type="datetimeFigureOut">
               <a:rPr lang="en-US" dirty="0"/>
               <a:pPr/>
-              <a:t>10/18/15</a:t>
+              <a:t>10/18/2015</a:t>
             </a:fld>
             <a:endParaRPr lang="en-US" dirty="0"/>
           </a:p>
@@ -2435,7 +2441,7 @@
             <a:fld id="{B61BEF0D-F0BB-DE4B-95CE-6DB70DBA9567}" type="datetimeFigureOut">
               <a:rPr lang="en-US" dirty="0"/>
               <a:pPr/>
-              <a:t>10/18/15</a:t>
+              <a:t>10/18/2015</a:t>
             </a:fld>
             <a:endParaRPr lang="en-US" dirty="0"/>
           </a:p>
@@ -2612,7 +2618,7 @@
             <a:fld id="{B61BEF0D-F0BB-DE4B-95CE-6DB70DBA9567}" type="datetimeFigureOut">
               <a:rPr lang="en-US" dirty="0"/>
               <a:pPr/>
-              <a:t>10/18/15</a:t>
+              <a:t>10/18/2015</a:t>
             </a:fld>
             <a:endParaRPr lang="en-US" dirty="0"/>
           </a:p>
@@ -2779,7 +2785,7 @@
             <a:fld id="{B61BEF0D-F0BB-DE4B-95CE-6DB70DBA9567}" type="datetimeFigureOut">
               <a:rPr lang="en-US" dirty="0"/>
               <a:pPr/>
-              <a:t>10/18/15</a:t>
+              <a:t>10/18/2015</a:t>
             </a:fld>
             <a:endParaRPr lang="en-US" dirty="0"/>
           </a:p>
@@ -3026,7 +3032,7 @@
             <a:fld id="{B61BEF0D-F0BB-DE4B-95CE-6DB70DBA9567}" type="datetimeFigureOut">
               <a:rPr lang="en-US" dirty="0"/>
               <a:pPr/>
-              <a:t>10/18/15</a:t>
+              <a:t>10/18/2015</a:t>
             </a:fld>
             <a:endParaRPr lang="en-US" dirty="0"/>
           </a:p>
@@ -3259,7 +3265,7 @@
             <a:fld id="{B61BEF0D-F0BB-DE4B-95CE-6DB70DBA9567}" type="datetimeFigureOut">
               <a:rPr lang="en-US" dirty="0"/>
               <a:pPr/>
-              <a:t>10/18/15</a:t>
+              <a:t>10/18/2015</a:t>
             </a:fld>
             <a:endParaRPr lang="en-US" dirty="0"/>
           </a:p>
@@ -3638,7 +3644,7 @@
             <a:fld id="{B61BEF0D-F0BB-DE4B-95CE-6DB70DBA9567}" type="datetimeFigureOut">
               <a:rPr lang="en-US" dirty="0"/>
               <a:pPr/>
-              <a:t>10/18/15</a:t>
+              <a:t>10/18/2015</a:t>
             </a:fld>
             <a:endParaRPr lang="en-US" dirty="0"/>
           </a:p>
@@ -3753,7 +3759,7 @@
             <a:fld id="{B61BEF0D-F0BB-DE4B-95CE-6DB70DBA9567}" type="datetimeFigureOut">
               <a:rPr lang="en-US" dirty="0"/>
               <a:pPr/>
-              <a:t>10/18/15</a:t>
+              <a:t>10/18/2015</a:t>
             </a:fld>
             <a:endParaRPr lang="en-US" dirty="0"/>
           </a:p>
@@ -3845,7 +3851,7 @@
             <a:fld id="{B61BEF0D-F0BB-DE4B-95CE-6DB70DBA9567}" type="datetimeFigureOut">
               <a:rPr lang="en-US" dirty="0"/>
               <a:pPr/>
-              <a:t>10/18/15</a:t>
+              <a:t>10/18/2015</a:t>
             </a:fld>
             <a:endParaRPr lang="en-US" dirty="0"/>
           </a:p>
@@ -4097,7 +4103,7 @@
             <a:fld id="{B61BEF0D-F0BB-DE4B-95CE-6DB70DBA9567}" type="datetimeFigureOut">
               <a:rPr lang="en-US" dirty="0"/>
               <a:pPr/>
-              <a:t>10/18/15</a:t>
+              <a:t>10/18/2015</a:t>
             </a:fld>
             <a:endParaRPr lang="en-US" dirty="0"/>
           </a:p>
@@ -4377,7 +4383,7 @@
             <a:fld id="{B61BEF0D-F0BB-DE4B-95CE-6DB70DBA9567}" type="datetimeFigureOut">
               <a:rPr lang="en-US" dirty="0"/>
               <a:pPr/>
-              <a:t>10/18/15</a:t>
+              <a:t>10/18/2015</a:t>
             </a:fld>
             <a:endParaRPr lang="en-US" dirty="0"/>
           </a:p>
@@ -4780,7 +4786,7 @@
             <a:fld id="{B61BEF0D-F0BB-DE4B-95CE-6DB70DBA9567}" type="datetimeFigureOut">
               <a:rPr lang="en-US" dirty="0"/>
               <a:pPr/>
-              <a:t>10/18/15</a:t>
+              <a:t>10/18/2015</a:t>
             </a:fld>
             <a:endParaRPr lang="en-US" dirty="0"/>
           </a:p>
@@ -5372,15 +5378,7 @@
                   <a:schemeClr val="tx1"/>
                 </a:solidFill>
               </a:rPr>
-              <a:t>Μ</a:t>
-            </a:r>
-            <a:r>
-              <a:rPr lang="el-GR" b="1" dirty="0" smtClean="0">
-                <a:solidFill>
-                  <a:schemeClr val="tx1"/>
-                </a:solidFill>
-              </a:rPr>
-              <a:t>άριος </a:t>
+              <a:t>Μάριος </a:t>
             </a:r>
             <a:r>
               <a:rPr lang="el-GR" b="1" dirty="0" err="1" smtClean="0">
@@ -5559,54 +5557,17 @@
                   <a:schemeClr val="tx1"/>
                 </a:solidFill>
               </a:rPr>
-              <a:t>Αναζ</a:t>
-            </a:r>
+              <a:t>Αναζήτηση καταστημάτων και χώρων εστίασης στην περιοχή του χρήστη</a:t>
+            </a:r>
+          </a:p>
+          <a:p>
             <a:r>
               <a:rPr lang="el-GR" b="1" dirty="0" smtClean="0">
                 <a:solidFill>
                   <a:schemeClr val="tx1"/>
                 </a:solidFill>
               </a:rPr>
-              <a:t>ήτηση καταστημάτων και χώρων εστίασης στην περιοχή του χρήστη</a:t>
-            </a:r>
-            <a:endParaRPr lang="el-GR" b="1" dirty="0" smtClean="0">
-              <a:solidFill>
-                <a:schemeClr val="tx1"/>
-              </a:solidFill>
-            </a:endParaRPr>
-          </a:p>
-          <a:p>
-            <a:r>
-              <a:rPr lang="el-GR" b="1" dirty="0" smtClean="0">
-                <a:solidFill>
-                  <a:schemeClr val="tx1"/>
-                </a:solidFill>
-              </a:rPr>
-              <a:t>Δυνατ</a:t>
-            </a:r>
-            <a:r>
-              <a:rPr lang="el-GR" b="1" dirty="0" smtClean="0">
-                <a:solidFill>
-                  <a:schemeClr val="tx1"/>
-                </a:solidFill>
-              </a:rPr>
-              <a:t>ότητα η</a:t>
-            </a:r>
-            <a:r>
-              <a:rPr lang="el-GR" b="1" dirty="0" smtClean="0">
-                <a:solidFill>
-                  <a:schemeClr val="tx1"/>
-                </a:solidFill>
-              </a:rPr>
-              <a:t>λεκτρονικ</a:t>
-            </a:r>
-            <a:r>
-              <a:rPr lang="el-GR" b="1" dirty="0" smtClean="0">
-                <a:solidFill>
-                  <a:schemeClr val="tx1"/>
-                </a:solidFill>
-              </a:rPr>
-              <a:t>ής κράτησης  (εμφάνιση διαθεσιμότητας </a:t>
+              <a:t>Δυνατότητα ηλεκτρονικής κράτησης  (εμφάνιση διαθεσιμότητας </a:t>
             </a:r>
             <a:r>
               <a:rPr lang="el-GR" b="1" dirty="0" err="1" smtClean="0">
@@ -5642,15 +5603,7 @@
                   <a:schemeClr val="tx1"/>
                 </a:solidFill>
               </a:rPr>
-              <a:t>Εμφ</a:t>
-            </a:r>
-            <a:r>
-              <a:rPr lang="el-GR" b="1" dirty="0" smtClean="0">
-                <a:solidFill>
-                  <a:schemeClr val="tx1"/>
-                </a:solidFill>
-              </a:rPr>
-              <a:t>άνιση δημοφιλών προϊόντων</a:t>
+              <a:t>Εμφάνιση δημοφιλών προϊόντων</a:t>
             </a:r>
             <a:endParaRPr lang="el-GR" b="1" dirty="0">
               <a:solidFill>
@@ -5717,6 +5670,75 @@
 </file>
 
 <file path=ppt/slides/slide3.xml><?xml version="1.0" encoding="utf-8"?>
+<p:sld xmlns:a="http://schemas.openxmlformats.org/drawingml/2006/main" xmlns:r="http://schemas.openxmlformats.org/officeDocument/2006/relationships" xmlns:p="http://schemas.openxmlformats.org/presentationml/2006/main" showMasterSp="0">
+  <p:cSld>
+    <p:bg>
+      <p:bgPr>
+        <a:solidFill>
+          <a:schemeClr val="accent1">
+            <a:alpha val="0"/>
+          </a:schemeClr>
+        </a:solidFill>
+        <a:effectLst/>
+      </p:bgPr>
+    </p:bg>
+    <p:spTree>
+      <p:nvGrpSpPr>
+        <p:cNvPr id="1" name=""/>
+        <p:cNvGrpSpPr/>
+        <p:nvPr/>
+      </p:nvGrpSpPr>
+      <p:grpSpPr>
+        <a:xfrm>
+          <a:off x="0" y="0"/>
+          <a:ext cx="0" cy="0"/>
+          <a:chOff x="0" y="0"/>
+          <a:chExt cx="0" cy="0"/>
+        </a:xfrm>
+      </p:grpSpPr>
+      <p:pic>
+        <p:nvPicPr>
+          <p:cNvPr id="6" name="Content Placeholder 5"/>
+          <p:cNvPicPr>
+            <a:picLocks noGrp="1" noChangeAspect="1"/>
+          </p:cNvPicPr>
+          <p:nvPr>
+            <p:ph idx="1"/>
+          </p:nvPr>
+        </p:nvPicPr>
+        <p:blipFill>
+          <a:blip r:embed="rId2">
+            <a:extLst>
+              <a:ext uri="{28A0092B-C50C-407E-A947-70E740481C1C}">
+                <a14:useLocalDpi xmlns:a14="http://schemas.microsoft.com/office/drawing/2010/main" val="0"/>
+              </a:ext>
+            </a:extLst>
+          </a:blip>
+          <a:stretch>
+            <a:fillRect/>
+          </a:stretch>
+        </p:blipFill>
+        <p:spPr>
+          <a:xfrm>
+            <a:off x="1983123" y="0"/>
+            <a:ext cx="7638055" cy="6858000"/>
+          </a:xfrm>
+        </p:spPr>
+      </p:pic>
+    </p:spTree>
+    <p:extLst>
+      <p:ext uri="{BB962C8B-B14F-4D97-AF65-F5344CB8AC3E}">
+        <p14:creationId xmlns:p14="http://schemas.microsoft.com/office/powerpoint/2010/main" val="3680094683"/>
+      </p:ext>
+    </p:extLst>
+  </p:cSld>
+  <p:clrMapOvr>
+    <a:masterClrMapping/>
+  </p:clrMapOvr>
+</p:sld>
+</file>
+
+<file path=ppt/slides/slide4.xml><?xml version="1.0" encoding="utf-8"?>
 <p:sld xmlns:a="http://schemas.openxmlformats.org/drawingml/2006/main" xmlns:r="http://schemas.openxmlformats.org/officeDocument/2006/relationships" xmlns:p="http://schemas.openxmlformats.org/presentationml/2006/main">
   <p:cSld>
     <p:spTree>
@@ -5795,15 +5817,7 @@
                   <a:schemeClr val="tx1"/>
                 </a:solidFill>
               </a:rPr>
-              <a:t>Διασ</a:t>
-            </a:r>
-            <a:r>
-              <a:rPr lang="el-GR" dirty="0" smtClean="0">
-                <a:solidFill>
-                  <a:schemeClr val="tx1"/>
-                </a:solidFill>
-              </a:rPr>
-              <a:t>ύνδεση με έξυπνες συσκευές (</a:t>
+              <a:t>Διασύνδεση με έξυπνες συσκευές (</a:t>
             </a:r>
             <a:r>
               <a:rPr lang="en-US" dirty="0" smtClean="0">
@@ -5821,11 +5835,6 @@
               </a:rPr>
               <a:t>)</a:t>
             </a:r>
-            <a:endParaRPr lang="el-GR" dirty="0" smtClean="0">
-              <a:solidFill>
-                <a:schemeClr val="tx1"/>
-              </a:solidFill>
-            </a:endParaRPr>
           </a:p>
           <a:p>
             <a:r>
@@ -5834,15 +5843,7 @@
                   <a:schemeClr val="tx1"/>
                 </a:solidFill>
               </a:rPr>
-              <a:t>Δυνατ</a:t>
-            </a:r>
-            <a:r>
-              <a:rPr lang="el-GR" dirty="0" smtClean="0">
-                <a:solidFill>
-                  <a:schemeClr val="tx1"/>
-                </a:solidFill>
-              </a:rPr>
-              <a:t>ότητα προώθησης </a:t>
+              <a:t>Δυνατότητα προώθησης </a:t>
             </a:r>
             <a:r>
               <a:rPr lang="en-US" dirty="0" smtClean="0">
